--- a/Final Project.pptx
+++ b/Final Project.pptx
@@ -111,6 +111,11 @@
       </a:defRPr>
     </a:lvl9pPr>
   </p:defaultTextStyle>
+  <p:extLst>
+    <p:ext uri="{EFAFB233-063F-42B5-8137-9DF3F51BA10A}">
+      <p15:sldGuideLst xmlns:p15="http://schemas.microsoft.com/office/powerpoint/2012/main"/>
+    </p:ext>
+  </p:extLst>
 </p:presentation>
 </file>
 
@@ -3391,6 +3396,36 @@
           </a:p>
         </p:txBody>
       </p:sp>
+      <p:pic>
+        <p:nvPicPr>
+          <p:cNvPr id="5" name="Picture 4"/>
+          <p:cNvPicPr>
+            <a:picLocks noChangeAspect="1"/>
+          </p:cNvPicPr>
+          <p:nvPr/>
+        </p:nvPicPr>
+        <p:blipFill>
+          <a:blip r:embed="rId2">
+            <a:extLst>
+              <a:ext uri="{28A0092B-C50C-407E-A947-70E740481C1C}">
+                <a14:useLocalDpi xmlns:a14="http://schemas.microsoft.com/office/drawing/2010/main" val="0"/>
+              </a:ext>
+            </a:extLst>
+          </a:blip>
+          <a:stretch>
+            <a:fillRect/>
+          </a:stretch>
+        </p:blipFill>
+        <p:spPr>
+          <a:xfrm>
+            <a:off x="8407717" y="3358356"/>
+            <a:ext cx="2143125" cy="2143125"/>
+          </a:xfrm>
+          <a:prstGeom prst="rect">
+            <a:avLst/>
+          </a:prstGeom>
+        </p:spPr>
+      </p:pic>
     </p:spTree>
     <p:extLst>
       <p:ext uri="{BB962C8B-B14F-4D97-AF65-F5344CB8AC3E}">
@@ -3401,6 +3436,13 @@
   <p:clrMapOvr>
     <a:masterClrMapping/>
   </p:clrMapOvr>
+  <p:timing>
+    <p:tnLst>
+      <p:par>
+        <p:cTn id="1" dur="indefinite" restart="never" nodeType="tmRoot"/>
+      </p:par>
+    </p:tnLst>
+  </p:timing>
 </p:sld>
 </file>
 
@@ -3624,6 +3666,13 @@
   <p:clrMapOvr>
     <a:masterClrMapping/>
   </p:clrMapOvr>
+  <p:timing>
+    <p:tnLst>
+      <p:par>
+        <p:cTn id="1" dur="indefinite" restart="never" nodeType="tmRoot"/>
+      </p:par>
+    </p:tnLst>
+  </p:timing>
 </p:sld>
 </file>
 
@@ -3701,8 +3750,77 @@
                 <a:latin typeface="Times New Roman" panose="02020603050405020304" pitchFamily="18" charset="0"/>
                 <a:cs typeface="Times New Roman" panose="02020603050405020304" pitchFamily="18" charset="0"/>
               </a:rPr>
-              <a:t>The Iowa Western Help Desk’s mission is to help our customers succeed by offering technological support through our help desk. We are committed to provide quality service using teamwork and make use of available resources at our disposal. Our target goal is so that the customer leaves satisfied with our help.</a:t>
-            </a:r>
+              <a:t>The Iowa Western Help Desk’s mission is to help our customers succeed by offering technological support through our help desk. We are committed to provide quality service using teamwork and make use of available resources at our disposal. Our target goal is so that the customer leaves satisfied with our help</a:t>
+            </a:r>
+            <a:r>
+              <a:rPr lang="en-US" dirty="0" smtClean="0">
+                <a:latin typeface="Times New Roman" panose="02020603050405020304" pitchFamily="18" charset="0"/>
+                <a:cs typeface="Times New Roman" panose="02020603050405020304" pitchFamily="18" charset="0"/>
+              </a:rPr>
+              <a:t>.</a:t>
+            </a:r>
+          </a:p>
+          <a:p>
+            <a:r>
+              <a:rPr lang="en-US" dirty="0">
+                <a:latin typeface="Times New Roman" panose="02020603050405020304" pitchFamily="18" charset="0"/>
+                <a:cs typeface="Times New Roman" panose="02020603050405020304" pitchFamily="18" charset="0"/>
+              </a:rPr>
+              <a:t>Technicians at the service desk are doing everything they can to be a great customer focused, single point of contact that can satisfy </a:t>
+            </a:r>
+            <a:r>
+              <a:rPr lang="en-US" dirty="0" smtClean="0">
+                <a:latin typeface="Times New Roman" panose="02020603050405020304" pitchFamily="18" charset="0"/>
+                <a:cs typeface="Times New Roman" panose="02020603050405020304" pitchFamily="18" charset="0"/>
+              </a:rPr>
+              <a:t>everyone's </a:t>
+            </a:r>
+            <a:r>
+              <a:rPr lang="en-US" dirty="0">
+                <a:latin typeface="Times New Roman" panose="02020603050405020304" pitchFamily="18" charset="0"/>
+                <a:cs typeface="Times New Roman" panose="02020603050405020304" pitchFamily="18" charset="0"/>
+              </a:rPr>
+              <a:t>needs fully</a:t>
+            </a:r>
+            <a:r>
+              <a:rPr lang="en-US" dirty="0" smtClean="0">
+                <a:latin typeface="Times New Roman" panose="02020603050405020304" pitchFamily="18" charset="0"/>
+                <a:cs typeface="Times New Roman" panose="02020603050405020304" pitchFamily="18" charset="0"/>
+              </a:rPr>
+              <a:t>.</a:t>
+            </a:r>
+          </a:p>
+          <a:p>
+            <a:r>
+              <a:rPr lang="en-US" dirty="0" smtClean="0">
+                <a:latin typeface="Times New Roman" panose="02020603050405020304" pitchFamily="18" charset="0"/>
+                <a:cs typeface="Times New Roman" panose="02020603050405020304" pitchFamily="18" charset="0"/>
+              </a:rPr>
+              <a:t>We </a:t>
+            </a:r>
+            <a:r>
+              <a:rPr lang="en-US" dirty="0">
+                <a:latin typeface="Times New Roman" panose="02020603050405020304" pitchFamily="18" charset="0"/>
+                <a:cs typeface="Times New Roman" panose="02020603050405020304" pitchFamily="18" charset="0"/>
+              </a:rPr>
+              <a:t>put customer service </a:t>
+            </a:r>
+            <a:r>
+              <a:rPr lang="en-US" dirty="0" smtClean="0">
+                <a:latin typeface="Times New Roman" panose="02020603050405020304" pitchFamily="18" charset="0"/>
+                <a:cs typeface="Times New Roman" panose="02020603050405020304" pitchFamily="18" charset="0"/>
+              </a:rPr>
+              <a:t>first.</a:t>
+            </a:r>
+          </a:p>
+          <a:p>
+            <a:pPr marL="0" indent="0">
+              <a:buNone/>
+            </a:pPr>
+            <a:endParaRPr lang="en-US" sz="2400" dirty="0">
+              <a:latin typeface="Times New Roman" panose="02020603050405020304" pitchFamily="18" charset="0"/>
+              <a:cs typeface="Times New Roman" panose="02020603050405020304" pitchFamily="18" charset="0"/>
+            </a:endParaRPr>
           </a:p>
           <a:p>
             <a:endParaRPr lang="en-US" dirty="0">
@@ -3731,6 +3849,13 @@
   <p:clrMapOvr>
     <a:masterClrMapping/>
   </p:clrMapOvr>
+  <p:timing>
+    <p:tnLst>
+      <p:par>
+        <p:cTn id="1" dur="indefinite" restart="never" nodeType="tmRoot"/>
+      </p:par>
+    </p:tnLst>
+  </p:timing>
 </p:sld>
 </file>
 
@@ -3829,6 +3954,13 @@
   <p:clrMapOvr>
     <a:masterClrMapping/>
   </p:clrMapOvr>
+  <p:timing>
+    <p:tnLst>
+      <p:par>
+        <p:cTn id="1" dur="indefinite" restart="never" nodeType="tmRoot"/>
+      </p:par>
+    </p:tnLst>
+  </p:timing>
 </p:sld>
 </file>
 
@@ -4004,6 +4136,13 @@
   <p:clrMapOvr>
     <a:masterClrMapping/>
   </p:clrMapOvr>
+  <p:timing>
+    <p:tnLst>
+      <p:par>
+        <p:cTn id="1" dur="indefinite" restart="never" nodeType="tmRoot"/>
+      </p:par>
+    </p:tnLst>
+  </p:timing>
 </p:sld>
 </file>
 
@@ -4172,6 +4311,13 @@
   <p:clrMapOvr>
     <a:masterClrMapping/>
   </p:clrMapOvr>
+  <p:timing>
+    <p:tnLst>
+      <p:par>
+        <p:cTn id="1" dur="indefinite" restart="never" nodeType="tmRoot"/>
+      </p:par>
+    </p:tnLst>
+  </p:timing>
 </p:sld>
 </file>
 
@@ -4331,6 +4477,13 @@
   <p:clrMapOvr>
     <a:masterClrMapping/>
   </p:clrMapOvr>
+  <p:timing>
+    <p:tnLst>
+      <p:par>
+        <p:cTn id="1" dur="indefinite" restart="never" nodeType="tmRoot"/>
+      </p:par>
+    </p:tnLst>
+  </p:timing>
 </p:sld>
 </file>
 
@@ -4447,6 +4600,13 @@
   <p:clrMapOvr>
     <a:masterClrMapping/>
   </p:clrMapOvr>
+  <p:timing>
+    <p:tnLst>
+      <p:par>
+        <p:cTn id="1" dur="indefinite" restart="never" nodeType="tmRoot"/>
+      </p:par>
+    </p:tnLst>
+  </p:timing>
 </p:sld>
 </file>
 
